--- a/Reports/졸업과제 세번째 발표 2조.pptx
+++ b/Reports/졸업과제 세번째 발표 2조.pptx
@@ -215,7 +215,7 @@
           <a:p>
             <a:fld id="{084CC45B-20B2-4149-A3F7-4EED28680BCB}" type="datetimeFigureOut">
               <a:rPr lang="ko-KR" altLang="en-US" smtClean="0"/>
-              <a:t>2020-07-08</a:t>
+              <a:t>2020-07-09</a:t>
             </a:fld>
             <a:endParaRPr lang="ko-KR" altLang="en-US"/>
           </a:p>
@@ -1663,7 +1663,7 @@
           <a:p>
             <a:fld id="{0F58FC38-7BE5-437F-8241-FE77880D90FD}" type="datetime1">
               <a:rPr lang="ko-KR" altLang="en-US" smtClean="0"/>
-              <a:t>2020-07-08</a:t>
+              <a:t>2020-07-09</a:t>
             </a:fld>
             <a:endParaRPr lang="en-US" dirty="0"/>
           </a:p>
@@ -1818,7 +1818,7 @@
           <a:p>
             <a:fld id="{E63F51D9-A09F-4002-ACB1-C497D3C9483C}" type="datetime1">
               <a:rPr lang="ko-KR" altLang="en-US" smtClean="0"/>
-              <a:t>2020-07-08</a:t>
+              <a:t>2020-07-09</a:t>
             </a:fld>
             <a:endParaRPr lang="en-US" dirty="0"/>
           </a:p>
@@ -1997,7 +1997,7 @@
           <a:p>
             <a:fld id="{DDFDDE85-B6B6-4975-BA0D-F54F60FF0ECE}" type="datetime1">
               <a:rPr lang="ko-KR" altLang="en-US" smtClean="0"/>
-              <a:t>2020-07-08</a:t>
+              <a:t>2020-07-09</a:t>
             </a:fld>
             <a:endParaRPr lang="en-US" dirty="0"/>
           </a:p>
@@ -2177,7 +2177,7 @@
           <a:p>
             <a:fld id="{FCF1A352-F403-4DB9-A328-4556D7939B4D}" type="datetime1">
               <a:rPr lang="ko-KR" altLang="en-US" smtClean="0"/>
-              <a:t>2020-07-08</a:t>
+              <a:t>2020-07-09</a:t>
             </a:fld>
             <a:endParaRPr lang="en-US" dirty="0"/>
           </a:p>
@@ -2440,7 +2440,7 @@
           <a:p>
             <a:fld id="{7B7E4805-4CCE-472E-ADE4-F0E290887413}" type="datetime1">
               <a:rPr lang="ko-KR" altLang="en-US" smtClean="0"/>
-              <a:t>2020-07-08</a:t>
+              <a:t>2020-07-09</a:t>
             </a:fld>
             <a:endParaRPr lang="en-US" dirty="0"/>
           </a:p>
@@ -2738,7 +2738,7 @@
           <a:p>
             <a:fld id="{036055D7-1E70-443C-A648-0D635A7F384A}" type="datetime1">
               <a:rPr lang="ko-KR" altLang="en-US" smtClean="0"/>
-              <a:t>2020-07-08</a:t>
+              <a:t>2020-07-09</a:t>
             </a:fld>
             <a:endParaRPr lang="en-US" dirty="0"/>
           </a:p>
@@ -3190,7 +3190,7 @@
           <a:p>
             <a:fld id="{C3ECECBE-4479-4298-83F6-4A9C47D5F3B2}" type="datetime1">
               <a:rPr lang="ko-KR" altLang="en-US" smtClean="0"/>
-              <a:t>2020-07-08</a:t>
+              <a:t>2020-07-09</a:t>
             </a:fld>
             <a:endParaRPr lang="en-US" dirty="0"/>
           </a:p>
@@ -3318,7 +3318,7 @@
           <a:p>
             <a:fld id="{30EF5FB9-0D60-4430-A361-377FEA5726D5}" type="datetime1">
               <a:rPr lang="ko-KR" altLang="en-US" smtClean="0"/>
-              <a:t>2020-07-08</a:t>
+              <a:t>2020-07-09</a:t>
             </a:fld>
             <a:endParaRPr lang="en-US" dirty="0"/>
           </a:p>
@@ -3409,7 +3409,7 @@
           <a:p>
             <a:fld id="{656F2C6D-FC37-47FB-B402-A12520905120}" type="datetime1">
               <a:rPr lang="ko-KR" altLang="en-US" smtClean="0"/>
-              <a:t>2020-07-08</a:t>
+              <a:t>2020-07-09</a:t>
             </a:fld>
             <a:endParaRPr lang="en-US" dirty="0"/>
           </a:p>
@@ -3696,7 +3696,7 @@
           <a:p>
             <a:fld id="{015153FF-8FFB-4E75-A16B-25F1A7463DEA}" type="datetime1">
               <a:rPr lang="ko-KR" altLang="en-US" smtClean="0"/>
-              <a:t>2020-07-08</a:t>
+              <a:t>2020-07-09</a:t>
             </a:fld>
             <a:endParaRPr lang="en-US" dirty="0"/>
           </a:p>
@@ -3968,7 +3968,7 @@
           <a:p>
             <a:fld id="{12C47210-FAC3-4736-8D59-AA451CFF2A28}" type="datetime1">
               <a:rPr lang="ko-KR" altLang="en-US" smtClean="0"/>
-              <a:t>2020-07-08</a:t>
+              <a:t>2020-07-09</a:t>
             </a:fld>
             <a:endParaRPr lang="en-US" dirty="0"/>
           </a:p>
@@ -4228,7 +4228,7 @@
           <a:p>
             <a:fld id="{2AC242A7-4D2C-47B3-9BF6-8CA1B0F288E2}" type="datetime1">
               <a:rPr lang="ko-KR" altLang="en-US" smtClean="0"/>
-              <a:t>2020-07-08</a:t>
+              <a:t>2020-07-09</a:t>
             </a:fld>
             <a:endParaRPr lang="en-US" dirty="0"/>
           </a:p>
@@ -5049,7 +5049,7 @@
           <a:p>
             <a:fld id="{31CB442F-44B4-4C18-BCAD-5D1C59424957}" type="datetime1">
               <a:rPr lang="ko-KR" altLang="en-US" smtClean="0"/>
-              <a:t>2020-07-08</a:t>
+              <a:t>2020-07-09</a:t>
             </a:fld>
             <a:endParaRPr lang="en-US" dirty="0"/>
           </a:p>
@@ -8505,7 +8505,7 @@
           <a:p>
             <a:fld id="{948573EF-FFD8-44FC-977C-B25B66D94CEE}" type="datetime1">
               <a:rPr lang="ko-KR" altLang="en-US" smtClean="0"/>
-              <a:t>2020-07-08</a:t>
+              <a:t>2020-07-09</a:t>
             </a:fld>
             <a:endParaRPr lang="en-US" dirty="0"/>
           </a:p>
@@ -8925,7 +8925,7 @@
           <a:p>
             <a:fld id="{8F64EEAD-4984-41D6-8E70-B8D3C85660B7}" type="datetime1">
               <a:rPr lang="ko-KR" altLang="en-US" smtClean="0"/>
-              <a:t>2020-07-08</a:t>
+              <a:t>2020-07-09</a:t>
             </a:fld>
             <a:endParaRPr lang="en-US" dirty="0"/>
           </a:p>
@@ -9101,7 +9101,7 @@
           <a:p>
             <a:fld id="{CF754B2A-8525-4AF4-B3B6-5B4AA9E148D5}" type="datetime1">
               <a:rPr lang="ko-KR" altLang="en-US" smtClean="0"/>
-              <a:t>2020-07-08</a:t>
+              <a:t>2020-07-09</a:t>
             </a:fld>
             <a:endParaRPr lang="en-US" dirty="0"/>
           </a:p>
@@ -9460,7 +9460,7 @@
           <a:p>
             <a:fld id="{CF754B2A-8525-4AF4-B3B6-5B4AA9E148D5}" type="datetime1">
               <a:rPr lang="ko-KR" altLang="en-US" smtClean="0"/>
-              <a:t>2020-07-08</a:t>
+              <a:t>2020-07-09</a:t>
             </a:fld>
             <a:endParaRPr lang="en-US" dirty="0"/>
           </a:p>
@@ -9853,7 +9853,7 @@
           <a:p>
             <a:fld id="{793FA439-1AF0-4114-85D0-94817C2CD7F4}" type="datetime1">
               <a:rPr lang="ko-KR" altLang="en-US" smtClean="0"/>
-              <a:t>2020-07-08</a:t>
+              <a:t>2020-07-09</a:t>
             </a:fld>
             <a:endParaRPr lang="en-US" dirty="0"/>
           </a:p>
@@ -10202,7 +10202,7 @@
           <a:p>
             <a:fld id="{793FA439-1AF0-4114-85D0-94817C2CD7F4}" type="datetime1">
               <a:rPr lang="ko-KR" altLang="en-US" smtClean="0"/>
-              <a:t>2020-07-08</a:t>
+              <a:t>2020-07-09</a:t>
             </a:fld>
             <a:endParaRPr lang="en-US" dirty="0"/>
           </a:p>
@@ -10568,7 +10568,7 @@
           <a:p>
             <a:fld id="{3EC4478B-43ED-45F3-B822-FD3823E3CA5C}" type="datetime1">
               <a:rPr lang="ko-KR" altLang="en-US" smtClean="0"/>
-              <a:t>2020-07-08</a:t>
+              <a:t>2020-07-09</a:t>
             </a:fld>
             <a:endParaRPr lang="en-US" dirty="0"/>
           </a:p>
@@ -11135,7 +11135,7 @@
           <a:p>
             <a:fld id="{3EC4478B-43ED-45F3-B822-FD3823E3CA5C}" type="datetime1">
               <a:rPr lang="ko-KR" altLang="en-US" smtClean="0"/>
-              <a:t>2020-07-08</a:t>
+              <a:t>2020-07-09</a:t>
             </a:fld>
             <a:endParaRPr lang="en-US" dirty="0"/>
           </a:p>
@@ -11319,8 +11319,8 @@
         </p:nvSpPr>
         <p:spPr>
           <a:xfrm>
-            <a:off x="6927772" y="2916596"/>
-            <a:ext cx="3831498" cy="1015663"/>
+            <a:off x="6265578" y="1715882"/>
+            <a:ext cx="5572359" cy="3970318"/>
           </a:xfrm>
           <a:prstGeom prst="rect">
             <a:avLst/>
@@ -11334,29 +11334,101 @@
           <a:lstStyle/>
           <a:p>
             <a:r>
-              <a:rPr lang="en-US" altLang="ko-KR" sz="3000" dirty="0"/>
+              <a:rPr lang="en-US" altLang="ko-KR" sz="2800" dirty="0"/>
               <a:t>CMD</a:t>
             </a:r>
             <a:r>
-              <a:rPr lang="ko-KR" altLang="en-US" sz="3000" dirty="0"/>
-              <a:t>를 사용하지 않고</a:t>
-            </a:r>
-            <a:endParaRPr lang="en-US" altLang="ko-KR" sz="3000" dirty="0"/>
-          </a:p>
-          <a:p>
-            <a:r>
-              <a:rPr lang="ko-KR" altLang="en-US" sz="3000" dirty="0"/>
-              <a:t>바로 </a:t>
-            </a:r>
-            <a:r>
-              <a:rPr lang="en-US" altLang="ko-KR" sz="3000" dirty="0"/>
-              <a:t>CSV</a:t>
-            </a:r>
-            <a:r>
-              <a:rPr lang="ko-KR" altLang="en-US" sz="3000" dirty="0"/>
-              <a:t>파일로 변환</a:t>
-            </a:r>
-            <a:endParaRPr lang="en-US" altLang="ko-KR" sz="3000" dirty="0"/>
+              <a:rPr lang="ko-KR" altLang="en-US" sz="2800" dirty="0"/>
+              <a:t>를 통해 실행시키거나</a:t>
+            </a:r>
+            <a:endParaRPr lang="en-US" altLang="ko-KR" sz="2800" dirty="0"/>
+          </a:p>
+          <a:p>
+            <a:r>
+              <a:rPr lang="en-US" altLang="ko-KR" sz="2800" dirty="0"/>
+              <a:t>.</a:t>
+            </a:r>
+            <a:r>
+              <a:rPr lang="en-US" altLang="ko-KR" sz="2800" dirty="0" err="1"/>
+              <a:t>py</a:t>
+            </a:r>
+            <a:r>
+              <a:rPr lang="ko-KR" altLang="en-US" sz="2800" dirty="0"/>
+              <a:t> 코드 자체를 실행 시키지 않고</a:t>
+            </a:r>
+            <a:endParaRPr lang="en-US" altLang="ko-KR" sz="2800" dirty="0"/>
+          </a:p>
+          <a:p>
+            <a:r>
+              <a:rPr lang="en-US" altLang="ko-KR" sz="2800" dirty="0"/>
+              <a:t>exe </a:t>
+            </a:r>
+            <a:r>
+              <a:rPr lang="ko-KR" altLang="en-US" sz="2800" dirty="0"/>
+              <a:t>실행 파일을 만들어서 </a:t>
+            </a:r>
+            <a:r>
+              <a:rPr lang="en-US" altLang="ko-KR" sz="2800" dirty="0"/>
+              <a:t>convert</a:t>
+            </a:r>
+          </a:p>
+          <a:p>
+            <a:endParaRPr lang="en-US" altLang="ko-KR" sz="2800" dirty="0"/>
+          </a:p>
+          <a:p>
+            <a:r>
+              <a:rPr lang="en-US" altLang="ko-KR" sz="2800" dirty="0" err="1"/>
+              <a:t>Dat</a:t>
+            </a:r>
+            <a:r>
+              <a:rPr lang="ko-KR" altLang="en-US" sz="2800" dirty="0"/>
+              <a:t>파일을 받아오는 경로와</a:t>
+            </a:r>
+            <a:endParaRPr lang="en-US" altLang="ko-KR" sz="2800" dirty="0"/>
+          </a:p>
+          <a:p>
+            <a:r>
+              <a:rPr lang="en-US" altLang="ko-KR" sz="2800" dirty="0"/>
+              <a:t>output</a:t>
+            </a:r>
+            <a:r>
+              <a:rPr lang="ko-KR" altLang="en-US" sz="2800" dirty="0"/>
+              <a:t> </a:t>
+            </a:r>
+            <a:r>
+              <a:rPr lang="en-US" altLang="ko-KR" sz="2800" dirty="0"/>
+              <a:t>csv</a:t>
+            </a:r>
+            <a:r>
+              <a:rPr lang="ko-KR" altLang="en-US" sz="2800" dirty="0"/>
+              <a:t>파일의 경로를</a:t>
+            </a:r>
+            <a:r>
+              <a:rPr lang="en-US" altLang="ko-KR" sz="2800" dirty="0"/>
+              <a:t> </a:t>
+            </a:r>
+            <a:r>
+              <a:rPr lang="ko-KR" altLang="en-US" sz="2800" dirty="0"/>
+              <a:t>지정가능</a:t>
+            </a:r>
+            <a:endParaRPr lang="en-US" altLang="ko-KR" sz="2800" dirty="0"/>
+          </a:p>
+          <a:p>
+            <a:endParaRPr lang="en-US" altLang="ko-KR" sz="2800" dirty="0"/>
+          </a:p>
+          <a:p>
+            <a:r>
+              <a:rPr lang="ko-KR" altLang="en-US" sz="2800" dirty="0"/>
+              <a:t>변환 후 해당 경로 디렉토리를 열어</a:t>
+            </a:r>
+            <a:endParaRPr lang="en-US" altLang="ko-KR" sz="2800" dirty="0"/>
+          </a:p>
+          <a:p>
+            <a:r>
+              <a:rPr lang="ko-KR" altLang="en-US" sz="2800" dirty="0"/>
+              <a:t>쉽게 확인 가능</a:t>
+            </a:r>
+            <a:endParaRPr lang="en-US" altLang="ko-KR" sz="2800" dirty="0"/>
           </a:p>
         </p:txBody>
       </p:sp>
@@ -11402,10 +11474,10 @@
       </p:sp>
       <p:pic>
         <p:nvPicPr>
-          <p:cNvPr id="5" name="그림 4" descr="스크린샷이(가) 표시된 사진&#10;&#10;자동 생성된 설명">
+          <p:cNvPr id="7" name="그림 6">
             <a:extLst>
               <a:ext uri="{FF2B5EF4-FFF2-40B4-BE49-F238E27FC236}">
-                <a16:creationId xmlns:a16="http://schemas.microsoft.com/office/drawing/2014/main" id="{D52F4B92-34A6-4A78-8537-992261C56DD4}"/>
+                <a16:creationId xmlns:a16="http://schemas.microsoft.com/office/drawing/2014/main" id="{046B8EEA-A144-4F89-89EE-14E44DA756C0}"/>
               </a:ext>
             </a:extLst>
           </p:cNvPr>
@@ -11422,14 +11494,83 @@
         </p:blipFill>
         <p:spPr>
           <a:xfrm>
-            <a:off x="1539818" y="1697787"/>
-            <a:ext cx="4314919" cy="3453282"/>
+            <a:off x="1371600" y="3424427"/>
+            <a:ext cx="4782217" cy="2638793"/>
           </a:xfrm>
           <a:prstGeom prst="rect">
             <a:avLst/>
           </a:prstGeom>
         </p:spPr>
       </p:pic>
+      <p:pic>
+        <p:nvPicPr>
+          <p:cNvPr id="9" name="그림 8">
+            <a:extLst>
+              <a:ext uri="{FF2B5EF4-FFF2-40B4-BE49-F238E27FC236}">
+                <a16:creationId xmlns:a16="http://schemas.microsoft.com/office/drawing/2014/main" id="{85F4DA3B-A24E-4367-8923-85D570A09FD7}"/>
+              </a:ext>
+            </a:extLst>
+          </p:cNvPr>
+          <p:cNvPicPr>
+            <a:picLocks noChangeAspect="1"/>
+          </p:cNvPicPr>
+          <p:nvPr/>
+        </p:nvPicPr>
+        <p:blipFill>
+          <a:blip r:embed="rId4"/>
+          <a:stretch>
+            <a:fillRect/>
+          </a:stretch>
+        </p:blipFill>
+        <p:spPr>
+          <a:xfrm>
+            <a:off x="3405470" y="1368171"/>
+            <a:ext cx="714475" cy="695422"/>
+          </a:xfrm>
+          <a:prstGeom prst="rect">
+            <a:avLst/>
+          </a:prstGeom>
+        </p:spPr>
+      </p:pic>
+      <p:cxnSp>
+        <p:nvCxnSpPr>
+          <p:cNvPr id="11" name="직선 화살표 연결선 10">
+            <a:extLst>
+              <a:ext uri="{FF2B5EF4-FFF2-40B4-BE49-F238E27FC236}">
+                <a16:creationId xmlns:a16="http://schemas.microsoft.com/office/drawing/2014/main" id="{BE49265C-F542-40F5-BC55-B043AD6713E2}"/>
+              </a:ext>
+            </a:extLst>
+          </p:cNvPr>
+          <p:cNvCxnSpPr/>
+          <p:nvPr/>
+        </p:nvCxnSpPr>
+        <p:spPr>
+          <a:xfrm>
+            <a:off x="3762707" y="2398643"/>
+            <a:ext cx="0" cy="848140"/>
+          </a:xfrm>
+          <a:prstGeom prst="straightConnector1">
+            <a:avLst/>
+          </a:prstGeom>
+          <a:ln>
+            <a:tailEnd type="triangle"/>
+          </a:ln>
+        </p:spPr>
+        <p:style>
+          <a:lnRef idx="1">
+            <a:schemeClr val="accent1"/>
+          </a:lnRef>
+          <a:fillRef idx="0">
+            <a:schemeClr val="accent1"/>
+          </a:fillRef>
+          <a:effectRef idx="0">
+            <a:schemeClr val="accent1"/>
+          </a:effectRef>
+          <a:fontRef idx="minor">
+            <a:schemeClr val="tx1"/>
+          </a:fontRef>
+        </p:style>
+      </p:cxnSp>
     </p:spTree>
     <p:extLst>
       <p:ext uri="{BB962C8B-B14F-4D97-AF65-F5344CB8AC3E}">
@@ -11630,7 +11771,7 @@
           <a:p>
             <a:fld id="{835A3A55-8703-4404-B685-585B47BF8635}" type="datetime1">
               <a:rPr lang="ko-KR" altLang="en-US" smtClean="0"/>
-              <a:t>2020-07-08</a:t>
+              <a:t>2020-07-09</a:t>
             </a:fld>
             <a:endParaRPr lang="en-US" dirty="0"/>
           </a:p>
@@ -12054,7 +12195,7 @@
           <a:p>
             <a:fld id="{835A3A55-8703-4404-B685-585B47BF8635}" type="datetime1">
               <a:rPr lang="ko-KR" altLang="en-US" smtClean="0"/>
-              <a:t>2020-07-08</a:t>
+              <a:t>2020-07-09</a:t>
             </a:fld>
             <a:endParaRPr lang="en-US" dirty="0"/>
           </a:p>
@@ -12934,18 +13075,18 @@
 </file>
 
 <file path=customXml/item2.xml><?xml version="1.0" encoding="utf-8"?>
-<p:properties xmlns:p="http://schemas.microsoft.com/office/2006/metadata/properties" xmlns:xsi="http://www.w3.org/2001/XMLSchema-instance" xmlns:pc="http://schemas.microsoft.com/office/infopath/2007/PartnerControls">
-  <documentManagement/>
-</p:properties>
-</file>
-
-<file path=customXml/item3.xml><?xml version="1.0" encoding="utf-8"?>
 <?mso-contentType ?>
 <FormTemplates xmlns="http://schemas.microsoft.com/sharepoint/v3/contenttype/forms">
   <Display>DocumentLibraryForm</Display>
   <Edit>DocumentLibraryForm</Edit>
   <New>DocumentLibraryForm</New>
 </FormTemplates>
+</file>
+
+<file path=customXml/item3.xml><?xml version="1.0" encoding="utf-8"?>
+<p:properties xmlns:p="http://schemas.microsoft.com/office/2006/metadata/properties" xmlns:xsi="http://www.w3.org/2001/XMLSchema-instance" xmlns:pc="http://schemas.microsoft.com/office/infopath/2007/PartnerControls">
+  <documentManagement/>
+</p:properties>
 </file>
 
 <file path=customXml/itemProps1.xml><?xml version="1.0" encoding="utf-8"?>
@@ -12967,6 +13108,14 @@
 </file>
 
 <file path=customXml/itemProps2.xml><?xml version="1.0" encoding="utf-8"?>
+<ds:datastoreItem xmlns:ds="http://schemas.openxmlformats.org/officeDocument/2006/customXml" ds:itemID="{D5BAE4EC-A401-4A94-B3A5-9FF5C310C1D2}">
+  <ds:schemaRefs>
+    <ds:schemaRef ds:uri="http://schemas.microsoft.com/sharepoint/v3/contenttype/forms"/>
+  </ds:schemaRefs>
+</ds:datastoreItem>
+</file>
+
+<file path=customXml/itemProps3.xml><?xml version="1.0" encoding="utf-8"?>
 <ds:datastoreItem xmlns:ds="http://schemas.openxmlformats.org/officeDocument/2006/customXml" ds:itemID="{9063696C-3651-4B20-95C9-9D01E44F83E0}">
   <ds:schemaRefs>
     <ds:schemaRef ds:uri="http://purl.org/dc/dcmitype/"/>
@@ -12980,12 +13129,4 @@
     <ds:schemaRef ds:uri="http://schemas.microsoft.com/office/2006/metadata/properties"/>
   </ds:schemaRefs>
 </ds:datastoreItem>
-</file>
-
-<file path=customXml/itemProps3.xml><?xml version="1.0" encoding="utf-8"?>
-<ds:datastoreItem xmlns:ds="http://schemas.openxmlformats.org/officeDocument/2006/customXml" ds:itemID="{D5BAE4EC-A401-4A94-B3A5-9FF5C310C1D2}">
-  <ds:schemaRefs>
-    <ds:schemaRef ds:uri="http://schemas.microsoft.com/sharepoint/v3/contenttype/forms"/>
-  </ds:schemaRefs>
-</ds:datastoreItem>
 </file>
--- a/Reports/졸업과제 세번째 발표 2조.pptx
+++ b/Reports/졸업과제 세번째 발표 2조.pptx
@@ -10407,6 +10407,36 @@
           </a:p>
         </p:txBody>
       </p:sp>
+      <p:pic>
+        <p:nvPicPr>
+          <p:cNvPr id="9" name="그림 8">
+            <a:extLst>
+              <a:ext uri="{FF2B5EF4-FFF2-40B4-BE49-F238E27FC236}">
+                <a16:creationId xmlns:a16="http://schemas.microsoft.com/office/drawing/2014/main" id="{7B9D5DC8-5F80-4E35-B6E6-7D436ADCD065}"/>
+              </a:ext>
+            </a:extLst>
+          </p:cNvPr>
+          <p:cNvPicPr>
+            <a:picLocks noChangeAspect="1"/>
+          </p:cNvPicPr>
+          <p:nvPr/>
+        </p:nvPicPr>
+        <p:blipFill>
+          <a:blip r:embed="rId3"/>
+          <a:stretch>
+            <a:fillRect/>
+          </a:stretch>
+        </p:blipFill>
+        <p:spPr>
+          <a:xfrm>
+            <a:off x="6974256" y="3007825"/>
+            <a:ext cx="4425342" cy="3485050"/>
+          </a:xfrm>
+          <a:prstGeom prst="rect">
+            <a:avLst/>
+          </a:prstGeom>
+        </p:spPr>
+      </p:pic>
     </p:spTree>
     <p:extLst>
       <p:ext uri="{BB962C8B-B14F-4D97-AF65-F5344CB8AC3E}">
@@ -13075,18 +13105,18 @@
 </file>
 
 <file path=customXml/item2.xml><?xml version="1.0" encoding="utf-8"?>
+<p:properties xmlns:p="http://schemas.microsoft.com/office/2006/metadata/properties" xmlns:xsi="http://www.w3.org/2001/XMLSchema-instance" xmlns:pc="http://schemas.microsoft.com/office/infopath/2007/PartnerControls">
+  <documentManagement/>
+</p:properties>
+</file>
+
+<file path=customXml/item3.xml><?xml version="1.0" encoding="utf-8"?>
 <?mso-contentType ?>
 <FormTemplates xmlns="http://schemas.microsoft.com/sharepoint/v3/contenttype/forms">
   <Display>DocumentLibraryForm</Display>
   <Edit>DocumentLibraryForm</Edit>
   <New>DocumentLibraryForm</New>
 </FormTemplates>
-</file>
-
-<file path=customXml/item3.xml><?xml version="1.0" encoding="utf-8"?>
-<p:properties xmlns:p="http://schemas.microsoft.com/office/2006/metadata/properties" xmlns:xsi="http://www.w3.org/2001/XMLSchema-instance" xmlns:pc="http://schemas.microsoft.com/office/infopath/2007/PartnerControls">
-  <documentManagement/>
-</p:properties>
 </file>
 
 <file path=customXml/itemProps1.xml><?xml version="1.0" encoding="utf-8"?>
@@ -13108,14 +13138,6 @@
 </file>
 
 <file path=customXml/itemProps2.xml><?xml version="1.0" encoding="utf-8"?>
-<ds:datastoreItem xmlns:ds="http://schemas.openxmlformats.org/officeDocument/2006/customXml" ds:itemID="{D5BAE4EC-A401-4A94-B3A5-9FF5C310C1D2}">
-  <ds:schemaRefs>
-    <ds:schemaRef ds:uri="http://schemas.microsoft.com/sharepoint/v3/contenttype/forms"/>
-  </ds:schemaRefs>
-</ds:datastoreItem>
-</file>
-
-<file path=customXml/itemProps3.xml><?xml version="1.0" encoding="utf-8"?>
 <ds:datastoreItem xmlns:ds="http://schemas.openxmlformats.org/officeDocument/2006/customXml" ds:itemID="{9063696C-3651-4B20-95C9-9D01E44F83E0}">
   <ds:schemaRefs>
     <ds:schemaRef ds:uri="http://purl.org/dc/dcmitype/"/>
@@ -13129,4 +13151,12 @@
     <ds:schemaRef ds:uri="http://schemas.microsoft.com/office/2006/metadata/properties"/>
   </ds:schemaRefs>
 </ds:datastoreItem>
+</file>
+
+<file path=customXml/itemProps3.xml><?xml version="1.0" encoding="utf-8"?>
+<ds:datastoreItem xmlns:ds="http://schemas.openxmlformats.org/officeDocument/2006/customXml" ds:itemID="{D5BAE4EC-A401-4A94-B3A5-9FF5C310C1D2}">
+  <ds:schemaRefs>
+    <ds:schemaRef ds:uri="http://schemas.microsoft.com/sharepoint/v3/contenttype/forms"/>
+  </ds:schemaRefs>
+</ds:datastoreItem>
 </file>
--- a/Reports/졸업과제 세번째 발표 2조.pptx
+++ b/Reports/졸업과제 세번째 발표 2조.pptx
@@ -5,7 +5,7 @@
     <p:sldMasterId id="2147483840" r:id="rId4"/>
   </p:sldMasterIdLst>
   <p:notesMasterIdLst>
-    <p:notesMasterId r:id="rId16"/>
+    <p:notesMasterId r:id="rId18"/>
   </p:notesMasterIdLst>
   <p:sldIdLst>
     <p:sldId id="256" r:id="rId5"/>
@@ -16,9 +16,11 @@
     <p:sldId id="263" r:id="rId10"/>
     <p:sldId id="271" r:id="rId11"/>
     <p:sldId id="269" r:id="rId12"/>
-    <p:sldId id="261" r:id="rId13"/>
-    <p:sldId id="262" r:id="rId14"/>
-    <p:sldId id="267" r:id="rId15"/>
+    <p:sldId id="272" r:id="rId13"/>
+    <p:sldId id="273" r:id="rId14"/>
+    <p:sldId id="261" r:id="rId15"/>
+    <p:sldId id="262" r:id="rId16"/>
+    <p:sldId id="267" r:id="rId17"/>
   </p:sldIdLst>
   <p:sldSz cx="12192000" cy="6858000"/>
   <p:notesSz cx="6858000" cy="9144000"/>
@@ -640,7 +642,7 @@
           <a:bodyPr/>
           <a:lstStyle/>
           <a:p>
-            <a:endParaRPr lang="ko-KR" altLang="en-US" dirty="0"/>
+            <a:endParaRPr lang="en-US" altLang="ko-KR" dirty="0"/>
           </a:p>
         </p:txBody>
       </p:sp>
@@ -651,7 +653,7 @@
             <a:spLocks noGrp="1"/>
           </p:cNvSpPr>
           <p:nvPr>
-            <p:ph type="sldNum" sz="quarter" idx="10"/>
+            <p:ph type="sldNum" sz="quarter" idx="5"/>
           </p:nvPr>
         </p:nvSpPr>
         <p:spPr/>
@@ -670,7 +672,7 @@
     </p:spTree>
     <p:extLst>
       <p:ext uri="{BB962C8B-B14F-4D97-AF65-F5344CB8AC3E}">
-        <p14:creationId xmlns:p14="http://schemas.microsoft.com/office/powerpoint/2010/main" val="1870616220"/>
+        <p14:creationId xmlns:p14="http://schemas.microsoft.com/office/powerpoint/2010/main" val="2758900858"/>
       </p:ext>
     </p:extLst>
   </p:cSld>
@@ -724,7 +726,7 @@
           <a:bodyPr/>
           <a:lstStyle/>
           <a:p>
-            <a:endParaRPr lang="ko-KR" altLang="en-US" dirty="0"/>
+            <a:endParaRPr lang="en-US" altLang="ko-KR" dirty="0"/>
           </a:p>
         </p:txBody>
       </p:sp>
@@ -746,6 +748,174 @@
             <a:fld id="{9E332759-395D-4AEC-8BED-41EB225C9866}" type="slidenum">
               <a:rPr lang="ko-KR" altLang="en-US" smtClean="0"/>
               <a:t>11</a:t>
+            </a:fld>
+            <a:endParaRPr lang="ko-KR" altLang="en-US"/>
+          </a:p>
+        </p:txBody>
+      </p:sp>
+    </p:spTree>
+    <p:extLst>
+      <p:ext uri="{BB962C8B-B14F-4D97-AF65-F5344CB8AC3E}">
+        <p14:creationId xmlns:p14="http://schemas.microsoft.com/office/powerpoint/2010/main" val="577437897"/>
+      </p:ext>
+    </p:extLst>
+  </p:cSld>
+  <p:clrMapOvr>
+    <a:masterClrMapping/>
+  </p:clrMapOvr>
+</p:notes>
+</file>
+
+<file path=ppt/notesSlides/notesSlide12.xml><?xml version="1.0" encoding="utf-8"?>
+<p:notes xmlns:a="http://schemas.openxmlformats.org/drawingml/2006/main" xmlns:r="http://schemas.openxmlformats.org/officeDocument/2006/relationships" xmlns:p="http://schemas.openxmlformats.org/presentationml/2006/main">
+  <p:cSld>
+    <p:spTree>
+      <p:nvGrpSpPr>
+        <p:cNvPr id="1" name=""/>
+        <p:cNvGrpSpPr/>
+        <p:nvPr/>
+      </p:nvGrpSpPr>
+      <p:grpSpPr>
+        <a:xfrm>
+          <a:off x="0" y="0"/>
+          <a:ext cx="0" cy="0"/>
+          <a:chOff x="0" y="0"/>
+          <a:chExt cx="0" cy="0"/>
+        </a:xfrm>
+      </p:grpSpPr>
+      <p:sp>
+        <p:nvSpPr>
+          <p:cNvPr id="2" name="슬라이드 이미지 개체 틀 1"/>
+          <p:cNvSpPr>
+            <a:spLocks noGrp="1" noRot="1" noChangeAspect="1"/>
+          </p:cNvSpPr>
+          <p:nvPr>
+            <p:ph type="sldImg"/>
+          </p:nvPr>
+        </p:nvSpPr>
+        <p:spPr/>
+      </p:sp>
+      <p:sp>
+        <p:nvSpPr>
+          <p:cNvPr id="3" name="슬라이드 노트 개체 틀 2"/>
+          <p:cNvSpPr>
+            <a:spLocks noGrp="1"/>
+          </p:cNvSpPr>
+          <p:nvPr>
+            <p:ph type="body" idx="1"/>
+          </p:nvPr>
+        </p:nvSpPr>
+        <p:spPr/>
+        <p:txBody>
+          <a:bodyPr/>
+          <a:lstStyle/>
+          <a:p>
+            <a:endParaRPr lang="ko-KR" altLang="en-US" dirty="0"/>
+          </a:p>
+        </p:txBody>
+      </p:sp>
+      <p:sp>
+        <p:nvSpPr>
+          <p:cNvPr id="4" name="슬라이드 번호 개체 틀 3"/>
+          <p:cNvSpPr>
+            <a:spLocks noGrp="1"/>
+          </p:cNvSpPr>
+          <p:nvPr>
+            <p:ph type="sldNum" sz="quarter" idx="10"/>
+          </p:nvPr>
+        </p:nvSpPr>
+        <p:spPr/>
+        <p:txBody>
+          <a:bodyPr/>
+          <a:lstStyle/>
+          <a:p>
+            <a:fld id="{9E332759-395D-4AEC-8BED-41EB225C9866}" type="slidenum">
+              <a:rPr lang="ko-KR" altLang="en-US" smtClean="0"/>
+              <a:t>12</a:t>
+            </a:fld>
+            <a:endParaRPr lang="ko-KR" altLang="en-US"/>
+          </a:p>
+        </p:txBody>
+      </p:sp>
+    </p:spTree>
+    <p:extLst>
+      <p:ext uri="{BB962C8B-B14F-4D97-AF65-F5344CB8AC3E}">
+        <p14:creationId xmlns:p14="http://schemas.microsoft.com/office/powerpoint/2010/main" val="1870616220"/>
+      </p:ext>
+    </p:extLst>
+  </p:cSld>
+  <p:clrMapOvr>
+    <a:masterClrMapping/>
+  </p:clrMapOvr>
+</p:notes>
+</file>
+
+<file path=ppt/notesSlides/notesSlide13.xml><?xml version="1.0" encoding="utf-8"?>
+<p:notes xmlns:a="http://schemas.openxmlformats.org/drawingml/2006/main" xmlns:r="http://schemas.openxmlformats.org/officeDocument/2006/relationships" xmlns:p="http://schemas.openxmlformats.org/presentationml/2006/main">
+  <p:cSld>
+    <p:spTree>
+      <p:nvGrpSpPr>
+        <p:cNvPr id="1" name=""/>
+        <p:cNvGrpSpPr/>
+        <p:nvPr/>
+      </p:nvGrpSpPr>
+      <p:grpSpPr>
+        <a:xfrm>
+          <a:off x="0" y="0"/>
+          <a:ext cx="0" cy="0"/>
+          <a:chOff x="0" y="0"/>
+          <a:chExt cx="0" cy="0"/>
+        </a:xfrm>
+      </p:grpSpPr>
+      <p:sp>
+        <p:nvSpPr>
+          <p:cNvPr id="2" name="슬라이드 이미지 개체 틀 1"/>
+          <p:cNvSpPr>
+            <a:spLocks noGrp="1" noRot="1" noChangeAspect="1"/>
+          </p:cNvSpPr>
+          <p:nvPr>
+            <p:ph type="sldImg"/>
+          </p:nvPr>
+        </p:nvSpPr>
+        <p:spPr/>
+      </p:sp>
+      <p:sp>
+        <p:nvSpPr>
+          <p:cNvPr id="3" name="슬라이드 노트 개체 틀 2"/>
+          <p:cNvSpPr>
+            <a:spLocks noGrp="1"/>
+          </p:cNvSpPr>
+          <p:nvPr>
+            <p:ph type="body" idx="1"/>
+          </p:nvPr>
+        </p:nvSpPr>
+        <p:spPr/>
+        <p:txBody>
+          <a:bodyPr/>
+          <a:lstStyle/>
+          <a:p>
+            <a:endParaRPr lang="ko-KR" altLang="en-US" dirty="0"/>
+          </a:p>
+        </p:txBody>
+      </p:sp>
+      <p:sp>
+        <p:nvSpPr>
+          <p:cNvPr id="4" name="슬라이드 번호 개체 틀 3"/>
+          <p:cNvSpPr>
+            <a:spLocks noGrp="1"/>
+          </p:cNvSpPr>
+          <p:nvPr>
+            <p:ph type="sldNum" sz="quarter" idx="5"/>
+          </p:nvPr>
+        </p:nvSpPr>
+        <p:spPr/>
+        <p:txBody>
+          <a:bodyPr/>
+          <a:lstStyle/>
+          <a:p>
+            <a:fld id="{9E332759-395D-4AEC-8BED-41EB225C9866}" type="slidenum">
+              <a:rPr lang="ko-KR" altLang="en-US" smtClean="0"/>
+              <a:t>13</a:t>
             </a:fld>
             <a:endParaRPr lang="ko-KR" altLang="en-US"/>
           </a:p>
@@ -1426,7 +1596,7 @@
     </p:spTree>
     <p:extLst>
       <p:ext uri="{BB962C8B-B14F-4D97-AF65-F5344CB8AC3E}">
-        <p14:creationId xmlns:p14="http://schemas.microsoft.com/office/powerpoint/2010/main" val="577437897"/>
+        <p14:creationId xmlns:p14="http://schemas.microsoft.com/office/powerpoint/2010/main" val="1295834871"/>
       </p:ext>
     </p:extLst>
   </p:cSld>
@@ -5085,6 +5255,964 @@
           <a:chExt cx="0" cy="0"/>
         </a:xfrm>
       </p:grpSpPr>
+      <p:sp>
+        <p:nvSpPr>
+          <p:cNvPr id="2" name="제목 1">
+            <a:extLst>
+              <a:ext uri="{FF2B5EF4-FFF2-40B4-BE49-F238E27FC236}">
+                <a16:creationId xmlns:a16="http://schemas.microsoft.com/office/drawing/2014/main" id="{F527D3A4-2476-4C9D-B594-1FA1ED3CFA2B}"/>
+              </a:ext>
+            </a:extLst>
+          </p:cNvPr>
+          <p:cNvSpPr>
+            <a:spLocks noGrp="1"/>
+          </p:cNvSpPr>
+          <p:nvPr>
+            <p:ph type="title"/>
+          </p:nvPr>
+        </p:nvSpPr>
+        <p:spPr/>
+        <p:txBody>
+          <a:bodyPr>
+            <a:normAutofit/>
+          </a:bodyPr>
+          <a:lstStyle/>
+          <a:p>
+            <a:r>
+              <a:rPr lang="ko-KR" altLang="en-US" sz="3600" b="1" dirty="0"/>
+              <a:t>현재 진행 상황</a:t>
+            </a:r>
+            <a:endParaRPr lang="ko-KR" altLang="en-US" sz="3500" b="1" dirty="0"/>
+          </a:p>
+        </p:txBody>
+      </p:sp>
+      <p:sp>
+        <p:nvSpPr>
+          <p:cNvPr id="5" name="슬라이드 번호 개체 틀 4">
+            <a:extLst>
+              <a:ext uri="{FF2B5EF4-FFF2-40B4-BE49-F238E27FC236}">
+                <a16:creationId xmlns:a16="http://schemas.microsoft.com/office/drawing/2014/main" id="{B94218F4-8846-4E3F-853A-5F8555B0F85A}"/>
+              </a:ext>
+            </a:extLst>
+          </p:cNvPr>
+          <p:cNvSpPr>
+            <a:spLocks noGrp="1"/>
+          </p:cNvSpPr>
+          <p:nvPr>
+            <p:ph type="sldNum" sz="quarter" idx="12"/>
+          </p:nvPr>
+        </p:nvSpPr>
+        <p:spPr/>
+        <p:txBody>
+          <a:bodyPr/>
+          <a:lstStyle/>
+          <a:p>
+            <a:fld id="{4FAB73BC-B049-4115-A692-8D63A059BFB8}" type="slidenum">
+              <a:rPr lang="en-US" smtClean="0"/>
+              <a:pPr/>
+              <a:t>10</a:t>
+            </a:fld>
+            <a:endParaRPr lang="en-US" dirty="0"/>
+          </a:p>
+        </p:txBody>
+      </p:sp>
+      <p:sp>
+        <p:nvSpPr>
+          <p:cNvPr id="4" name="날짜 개체 틀 3">
+            <a:extLst>
+              <a:ext uri="{FF2B5EF4-FFF2-40B4-BE49-F238E27FC236}">
+                <a16:creationId xmlns:a16="http://schemas.microsoft.com/office/drawing/2014/main" id="{4BB7EE5D-927A-4CCF-A1D8-4B1D0DBF2832}"/>
+              </a:ext>
+            </a:extLst>
+          </p:cNvPr>
+          <p:cNvSpPr>
+            <a:spLocks noGrp="1"/>
+          </p:cNvSpPr>
+          <p:nvPr>
+            <p:ph type="dt" sz="half" idx="10"/>
+          </p:nvPr>
+        </p:nvSpPr>
+        <p:spPr>
+          <a:xfrm>
+            <a:off x="0" y="6492875"/>
+            <a:ext cx="2743200" cy="365125"/>
+          </a:xfrm>
+        </p:spPr>
+        <p:txBody>
+          <a:bodyPr/>
+          <a:lstStyle/>
+          <a:p>
+            <a:fld id="{835A3A55-8703-4404-B685-585B47BF8635}" type="datetime1">
+              <a:rPr lang="ko-KR" altLang="en-US" smtClean="0"/>
+              <a:t>2020-07-09</a:t>
+            </a:fld>
+            <a:endParaRPr lang="en-US" dirty="0"/>
+          </a:p>
+        </p:txBody>
+      </p:sp>
+      <p:sp>
+        <p:nvSpPr>
+          <p:cNvPr id="6" name="바닥글 개체 틀 3">
+            <a:extLst>
+              <a:ext uri="{FF2B5EF4-FFF2-40B4-BE49-F238E27FC236}">
+                <a16:creationId xmlns:a16="http://schemas.microsoft.com/office/drawing/2014/main" id="{A60952EA-DD37-49FE-B649-1749C242F52B}"/>
+              </a:ext>
+            </a:extLst>
+          </p:cNvPr>
+          <p:cNvSpPr txBox="1">
+            <a:spLocks/>
+          </p:cNvSpPr>
+          <p:nvPr/>
+        </p:nvSpPr>
+        <p:spPr>
+          <a:xfrm>
+            <a:off x="3140241" y="150043"/>
+            <a:ext cx="5911517" cy="365125"/>
+          </a:xfrm>
+          <a:prstGeom prst="rect">
+            <a:avLst/>
+          </a:prstGeom>
+        </p:spPr>
+        <p:txBody>
+          <a:bodyPr vert="horz" lIns="91440" tIns="45720" rIns="91440" bIns="45720" rtlCol="0" anchor="ctr"/>
+          <a:lstStyle>
+            <a:defPPr>
+              <a:defRPr lang="en-US"/>
+            </a:defPPr>
+            <a:lvl1pPr marL="0" algn="l" defTabSz="457200" rtl="0" eaLnBrk="1" latinLnBrk="0" hangingPunct="1">
+              <a:defRPr sz="1100" kern="1200">
+                <a:solidFill>
+                  <a:schemeClr val="tx1">
+                    <a:lumMod val="50000"/>
+                    <a:lumOff val="50000"/>
+                  </a:schemeClr>
+                </a:solidFill>
+                <a:latin typeface="+mn-lt"/>
+                <a:ea typeface="+mn-ea"/>
+                <a:cs typeface="+mn-cs"/>
+              </a:defRPr>
+            </a:lvl1pPr>
+            <a:lvl2pPr marL="457200" algn="l" defTabSz="457200" rtl="0" eaLnBrk="1" latinLnBrk="0" hangingPunct="1">
+              <a:defRPr sz="1800" kern="1200">
+                <a:solidFill>
+                  <a:schemeClr val="tx1"/>
+                </a:solidFill>
+                <a:latin typeface="+mn-lt"/>
+                <a:ea typeface="+mn-ea"/>
+                <a:cs typeface="+mn-cs"/>
+              </a:defRPr>
+            </a:lvl2pPr>
+            <a:lvl3pPr marL="914400" algn="l" defTabSz="457200" rtl="0" eaLnBrk="1" latinLnBrk="0" hangingPunct="1">
+              <a:defRPr sz="1800" kern="1200">
+                <a:solidFill>
+                  <a:schemeClr val="tx1"/>
+                </a:solidFill>
+                <a:latin typeface="+mn-lt"/>
+                <a:ea typeface="+mn-ea"/>
+                <a:cs typeface="+mn-cs"/>
+              </a:defRPr>
+            </a:lvl3pPr>
+            <a:lvl4pPr marL="1371600" algn="l" defTabSz="457200" rtl="0" eaLnBrk="1" latinLnBrk="0" hangingPunct="1">
+              <a:defRPr sz="1800" kern="1200">
+                <a:solidFill>
+                  <a:schemeClr val="tx1"/>
+                </a:solidFill>
+                <a:latin typeface="+mn-lt"/>
+                <a:ea typeface="+mn-ea"/>
+                <a:cs typeface="+mn-cs"/>
+              </a:defRPr>
+            </a:lvl4pPr>
+            <a:lvl5pPr marL="1828800" algn="l" defTabSz="457200" rtl="0" eaLnBrk="1" latinLnBrk="0" hangingPunct="1">
+              <a:defRPr sz="1800" kern="1200">
+                <a:solidFill>
+                  <a:schemeClr val="tx1"/>
+                </a:solidFill>
+                <a:latin typeface="+mn-lt"/>
+                <a:ea typeface="+mn-ea"/>
+                <a:cs typeface="+mn-cs"/>
+              </a:defRPr>
+            </a:lvl5pPr>
+            <a:lvl6pPr marL="2286000" algn="l" defTabSz="457200" rtl="0" eaLnBrk="1" latinLnBrk="0" hangingPunct="1">
+              <a:defRPr sz="1800" kern="1200">
+                <a:solidFill>
+                  <a:schemeClr val="tx1"/>
+                </a:solidFill>
+                <a:latin typeface="+mn-lt"/>
+                <a:ea typeface="+mn-ea"/>
+                <a:cs typeface="+mn-cs"/>
+              </a:defRPr>
+            </a:lvl6pPr>
+            <a:lvl7pPr marL="2743200" algn="l" defTabSz="457200" rtl="0" eaLnBrk="1" latinLnBrk="0" hangingPunct="1">
+              <a:defRPr sz="1800" kern="1200">
+                <a:solidFill>
+                  <a:schemeClr val="tx1"/>
+                </a:solidFill>
+                <a:latin typeface="+mn-lt"/>
+                <a:ea typeface="+mn-ea"/>
+                <a:cs typeface="+mn-cs"/>
+              </a:defRPr>
+            </a:lvl7pPr>
+            <a:lvl8pPr marL="3200400" algn="l" defTabSz="457200" rtl="0" eaLnBrk="1" latinLnBrk="0" hangingPunct="1">
+              <a:defRPr sz="1800" kern="1200">
+                <a:solidFill>
+                  <a:schemeClr val="tx1"/>
+                </a:solidFill>
+                <a:latin typeface="+mn-lt"/>
+                <a:ea typeface="+mn-ea"/>
+                <a:cs typeface="+mn-cs"/>
+              </a:defRPr>
+            </a:lvl8pPr>
+            <a:lvl9pPr marL="3657600" algn="l" defTabSz="457200" rtl="0" eaLnBrk="1" latinLnBrk="0" hangingPunct="1">
+              <a:defRPr sz="1800" kern="1200">
+                <a:solidFill>
+                  <a:schemeClr val="tx1"/>
+                </a:solidFill>
+                <a:latin typeface="+mn-lt"/>
+                <a:ea typeface="+mn-ea"/>
+                <a:cs typeface="+mn-cs"/>
+              </a:defRPr>
+            </a:lvl9pPr>
+          </a:lstStyle>
+          <a:p>
+            <a:pPr algn="ctr"/>
+            <a:r>
+              <a:rPr lang="en-US" altLang="ko-KR" dirty="0"/>
+              <a:t>2020 </a:t>
+            </a:r>
+            <a:r>
+              <a:rPr lang="ko-KR" altLang="en-US" dirty="0"/>
+              <a:t>전기 졸업과제 팀 </a:t>
+            </a:r>
+            <a:r>
+              <a:rPr lang="en-US" altLang="ko-KR" dirty="0"/>
+              <a:t>38(ESLAB 2</a:t>
+            </a:r>
+            <a:r>
+              <a:rPr lang="ko-KR" altLang="en-US" dirty="0"/>
+              <a:t>조</a:t>
+            </a:r>
+            <a:r>
+              <a:rPr lang="en-US" altLang="ko-KR" dirty="0"/>
+              <a:t>)</a:t>
+            </a:r>
+          </a:p>
+          <a:p>
+            <a:pPr algn="ctr"/>
+            <a:r>
+              <a:rPr lang="en-US" altLang="ko-KR" dirty="0"/>
+              <a:t>[</a:t>
+            </a:r>
+            <a:r>
+              <a:rPr lang="ko-KR" altLang="en-US" dirty="0"/>
+              <a:t>여기에 팀 이름 입력</a:t>
+            </a:r>
+            <a:r>
+              <a:rPr lang="en-US" altLang="ko-KR" dirty="0"/>
+              <a:t>]</a:t>
+            </a:r>
+            <a:endParaRPr lang="en-US" dirty="0"/>
+          </a:p>
+        </p:txBody>
+      </p:sp>
+      <p:sp>
+        <p:nvSpPr>
+          <p:cNvPr id="7" name="TextBox 6">
+            <a:extLst>
+              <a:ext uri="{FF2B5EF4-FFF2-40B4-BE49-F238E27FC236}">
+                <a16:creationId xmlns:a16="http://schemas.microsoft.com/office/drawing/2014/main" id="{363584E5-9A0C-434C-BB6F-A44FDBA3DBBC}"/>
+              </a:ext>
+            </a:extLst>
+          </p:cNvPr>
+          <p:cNvSpPr txBox="1"/>
+          <p:nvPr/>
+        </p:nvSpPr>
+        <p:spPr>
+          <a:xfrm>
+            <a:off x="1118223" y="729025"/>
+            <a:ext cx="5558076" cy="553998"/>
+          </a:xfrm>
+          <a:prstGeom prst="rect">
+            <a:avLst/>
+          </a:prstGeom>
+          <a:noFill/>
+        </p:spPr>
+        <p:txBody>
+          <a:bodyPr wrap="square" rtlCol="0">
+            <a:spAutoFit/>
+          </a:bodyPr>
+          <a:lstStyle/>
+          <a:p>
+            <a:r>
+              <a:rPr lang="ko-KR" altLang="en-US" sz="3000" dirty="0"/>
+              <a:t>데이터 예측 결과</a:t>
+            </a:r>
+          </a:p>
+        </p:txBody>
+      </p:sp>
+      <p:pic>
+        <p:nvPicPr>
+          <p:cNvPr id="8" name="그림 7" descr="스크린샷, 나이프이(가) 표시된 사진&#10;&#10;자동 생성된 설명">
+            <a:extLst>
+              <a:ext uri="{FF2B5EF4-FFF2-40B4-BE49-F238E27FC236}">
+                <a16:creationId xmlns:a16="http://schemas.microsoft.com/office/drawing/2014/main" id="{CB1E0740-6CDD-4C3A-A06C-66E1864715CE}"/>
+              </a:ext>
+            </a:extLst>
+          </p:cNvPr>
+          <p:cNvPicPr>
+            <a:picLocks noChangeAspect="1"/>
+          </p:cNvPicPr>
+          <p:nvPr/>
+        </p:nvPicPr>
+        <p:blipFill>
+          <a:blip r:embed="rId3"/>
+          <a:stretch>
+            <a:fillRect/>
+          </a:stretch>
+        </p:blipFill>
+        <p:spPr>
+          <a:xfrm>
+            <a:off x="1371600" y="2171321"/>
+            <a:ext cx="4564776" cy="632515"/>
+          </a:xfrm>
+          <a:prstGeom prst="rect">
+            <a:avLst/>
+          </a:prstGeom>
+        </p:spPr>
+      </p:pic>
+      <p:pic>
+        <p:nvPicPr>
+          <p:cNvPr id="11" name="그림 10">
+            <a:extLst>
+              <a:ext uri="{FF2B5EF4-FFF2-40B4-BE49-F238E27FC236}">
+                <a16:creationId xmlns:a16="http://schemas.microsoft.com/office/drawing/2014/main" id="{BDE57ADB-943C-4F52-BA91-22539F6707B5}"/>
+              </a:ext>
+            </a:extLst>
+          </p:cNvPr>
+          <p:cNvPicPr>
+            <a:picLocks noChangeAspect="1"/>
+          </p:cNvPicPr>
+          <p:nvPr/>
+        </p:nvPicPr>
+        <p:blipFill>
+          <a:blip r:embed="rId4"/>
+          <a:stretch>
+            <a:fillRect/>
+          </a:stretch>
+        </p:blipFill>
+        <p:spPr>
+          <a:xfrm>
+            <a:off x="1371600" y="1710737"/>
+            <a:ext cx="4465707" cy="480102"/>
+          </a:xfrm>
+          <a:prstGeom prst="rect">
+            <a:avLst/>
+          </a:prstGeom>
+        </p:spPr>
+      </p:pic>
+      <p:pic>
+        <p:nvPicPr>
+          <p:cNvPr id="14" name="그림 13">
+            <a:extLst>
+              <a:ext uri="{FF2B5EF4-FFF2-40B4-BE49-F238E27FC236}">
+                <a16:creationId xmlns:a16="http://schemas.microsoft.com/office/drawing/2014/main" id="{79ABD62B-1AC6-4FB3-9EF4-95F32EA2FE1D}"/>
+              </a:ext>
+            </a:extLst>
+          </p:cNvPr>
+          <p:cNvPicPr>
+            <a:picLocks noChangeAspect="1"/>
+          </p:cNvPicPr>
+          <p:nvPr/>
+        </p:nvPicPr>
+        <p:blipFill>
+          <a:blip r:embed="rId5"/>
+          <a:stretch>
+            <a:fillRect/>
+          </a:stretch>
+        </p:blipFill>
+        <p:spPr>
+          <a:xfrm>
+            <a:off x="8169602" y="1123837"/>
+            <a:ext cx="3619814" cy="4869602"/>
+          </a:xfrm>
+          <a:prstGeom prst="rect">
+            <a:avLst/>
+          </a:prstGeom>
+        </p:spPr>
+      </p:pic>
+      <p:sp>
+        <p:nvSpPr>
+          <p:cNvPr id="15" name="TextBox 14">
+            <a:extLst>
+              <a:ext uri="{FF2B5EF4-FFF2-40B4-BE49-F238E27FC236}">
+                <a16:creationId xmlns:a16="http://schemas.microsoft.com/office/drawing/2014/main" id="{0E112199-EF7E-4BC3-BA6D-7BC4EB7D57C7}"/>
+              </a:ext>
+            </a:extLst>
+          </p:cNvPr>
+          <p:cNvSpPr txBox="1"/>
+          <p:nvPr/>
+        </p:nvSpPr>
+        <p:spPr>
+          <a:xfrm>
+            <a:off x="1371600" y="2958694"/>
+            <a:ext cx="6639959" cy="3046988"/>
+          </a:xfrm>
+          <a:prstGeom prst="rect">
+            <a:avLst/>
+          </a:prstGeom>
+          <a:noFill/>
+        </p:spPr>
+        <p:txBody>
+          <a:bodyPr wrap="none" rtlCol="0">
+            <a:spAutoFit/>
+          </a:bodyPr>
+          <a:lstStyle/>
+          <a:p>
+            <a:r>
+              <a:rPr lang="ko-KR" altLang="en-US" sz="3200" dirty="0"/>
+              <a:t>테스트 데이터에 대해 </a:t>
+            </a:r>
+            <a:r>
+              <a:rPr lang="en-US" altLang="ko-KR" sz="3200" b="1" dirty="0">
+                <a:solidFill>
+                  <a:srgbClr val="FF0000"/>
+                </a:solidFill>
+              </a:rPr>
+              <a:t>86%</a:t>
+            </a:r>
+            <a:r>
+              <a:rPr lang="ko-KR" altLang="en-US" sz="3200" dirty="0"/>
+              <a:t>의 정확도</a:t>
+            </a:r>
+            <a:endParaRPr lang="en-US" altLang="ko-KR" sz="3200" dirty="0"/>
+          </a:p>
+          <a:p>
+            <a:r>
+              <a:rPr lang="ko-KR" altLang="en-US" sz="3200" dirty="0"/>
+              <a:t>손실률 높음</a:t>
+            </a:r>
+            <a:endParaRPr lang="en-US" altLang="ko-KR" sz="3200" dirty="0"/>
+          </a:p>
+          <a:p>
+            <a:r>
+              <a:rPr lang="en-US" altLang="ko-KR" sz="3200" dirty="0"/>
+              <a:t>-&gt; </a:t>
+            </a:r>
+            <a:r>
+              <a:rPr lang="ko-KR" altLang="en-US" sz="3200" dirty="0"/>
+              <a:t>모델이 너무 단순한 모델이어서 </a:t>
+            </a:r>
+            <a:endParaRPr lang="en-US" altLang="ko-KR" sz="3200" dirty="0"/>
+          </a:p>
+          <a:p>
+            <a:r>
+              <a:rPr lang="ko-KR" altLang="en-US" sz="3200" dirty="0"/>
+              <a:t>정확도가 많이 떨어짐</a:t>
+            </a:r>
+            <a:endParaRPr lang="en-US" altLang="ko-KR" sz="3200" dirty="0"/>
+          </a:p>
+          <a:p>
+            <a:endParaRPr lang="en-US" altLang="ko-KR" sz="3200" dirty="0"/>
+          </a:p>
+          <a:p>
+            <a:r>
+              <a:rPr lang="en-US" altLang="ko-KR" sz="3200" dirty="0"/>
+              <a:t>=&gt; </a:t>
+            </a:r>
+            <a:r>
+              <a:rPr lang="ko-KR" altLang="en-US" sz="3200" dirty="0"/>
+              <a:t>그래도 예측이 된다는 점에 의의</a:t>
+            </a:r>
+            <a:endParaRPr lang="en-US" altLang="ko-KR" sz="3200" dirty="0"/>
+          </a:p>
+        </p:txBody>
+      </p:sp>
+    </p:spTree>
+    <p:extLst>
+      <p:ext uri="{BB962C8B-B14F-4D97-AF65-F5344CB8AC3E}">
+        <p14:creationId xmlns:p14="http://schemas.microsoft.com/office/powerpoint/2010/main" val="1024922132"/>
+      </p:ext>
+    </p:extLst>
+  </p:cSld>
+  <p:clrMapOvr>
+    <a:masterClrMapping/>
+  </p:clrMapOvr>
+</p:sld>
+</file>
+
+<file path=ppt/slides/slide11.xml><?xml version="1.0" encoding="utf-8"?>
+<p:sld xmlns:a="http://schemas.openxmlformats.org/drawingml/2006/main" xmlns:r="http://schemas.openxmlformats.org/officeDocument/2006/relationships" xmlns:p="http://schemas.openxmlformats.org/presentationml/2006/main">
+  <p:cSld>
+    <p:spTree>
+      <p:nvGrpSpPr>
+        <p:cNvPr id="1" name=""/>
+        <p:cNvGrpSpPr/>
+        <p:nvPr/>
+      </p:nvGrpSpPr>
+      <p:grpSpPr>
+        <a:xfrm>
+          <a:off x="0" y="0"/>
+          <a:ext cx="0" cy="0"/>
+          <a:chOff x="0" y="0"/>
+          <a:chExt cx="0" cy="0"/>
+        </a:xfrm>
+      </p:grpSpPr>
+      <p:sp>
+        <p:nvSpPr>
+          <p:cNvPr id="2" name="제목 1">
+            <a:extLst>
+              <a:ext uri="{FF2B5EF4-FFF2-40B4-BE49-F238E27FC236}">
+                <a16:creationId xmlns:a16="http://schemas.microsoft.com/office/drawing/2014/main" id="{F527D3A4-2476-4C9D-B594-1FA1ED3CFA2B}"/>
+              </a:ext>
+            </a:extLst>
+          </p:cNvPr>
+          <p:cNvSpPr>
+            <a:spLocks noGrp="1"/>
+          </p:cNvSpPr>
+          <p:nvPr>
+            <p:ph type="title"/>
+          </p:nvPr>
+        </p:nvSpPr>
+        <p:spPr/>
+        <p:txBody>
+          <a:bodyPr>
+            <a:normAutofit/>
+          </a:bodyPr>
+          <a:lstStyle/>
+          <a:p>
+            <a:r>
+              <a:rPr lang="ko-KR" altLang="en-US" sz="3200" b="1" dirty="0"/>
+              <a:t>차주 진행 예정사항</a:t>
+            </a:r>
+            <a:endParaRPr lang="ko-KR" altLang="en-US" sz="1600" b="1" dirty="0"/>
+          </a:p>
+        </p:txBody>
+      </p:sp>
+      <p:sp>
+        <p:nvSpPr>
+          <p:cNvPr id="3" name="내용 개체 틀 2">
+            <a:extLst>
+              <a:ext uri="{FF2B5EF4-FFF2-40B4-BE49-F238E27FC236}">
+                <a16:creationId xmlns:a16="http://schemas.microsoft.com/office/drawing/2014/main" id="{543A506F-6AA0-4A47-8944-1349D0144E32}"/>
+              </a:ext>
+            </a:extLst>
+          </p:cNvPr>
+          <p:cNvSpPr>
+            <a:spLocks noGrp="1"/>
+          </p:cNvSpPr>
+          <p:nvPr>
+            <p:ph idx="1"/>
+          </p:nvPr>
+        </p:nvSpPr>
+        <p:spPr/>
+        <p:txBody>
+          <a:bodyPr>
+            <a:normAutofit/>
+          </a:bodyPr>
+          <a:lstStyle/>
+          <a:p>
+            <a:pPr>
+              <a:spcBef>
+                <a:spcPts val="2400"/>
+              </a:spcBef>
+            </a:pPr>
+            <a:r>
+              <a:rPr lang="ko-KR" altLang="en-US" sz="2400" dirty="0"/>
+              <a:t>착수 보고서</a:t>
+            </a:r>
+            <a:r>
+              <a:rPr lang="en-US" altLang="ko-KR" sz="2400" dirty="0"/>
+              <a:t> </a:t>
+            </a:r>
+            <a:r>
+              <a:rPr lang="ko-KR" altLang="en-US" sz="2400" dirty="0"/>
+              <a:t>검수 및 제출</a:t>
+            </a:r>
+            <a:endParaRPr lang="en-US" altLang="ko-KR" sz="2400" dirty="0"/>
+          </a:p>
+          <a:p>
+            <a:pPr>
+              <a:spcBef>
+                <a:spcPts val="2400"/>
+              </a:spcBef>
+            </a:pPr>
+            <a:r>
+              <a:rPr lang="ko-KR" altLang="en-US" sz="2400" dirty="0"/>
+              <a:t>교수님 지시 사항 수행</a:t>
+            </a:r>
+            <a:endParaRPr lang="en-US" altLang="ko-KR" sz="2400" dirty="0"/>
+          </a:p>
+          <a:p>
+            <a:pPr>
+              <a:spcBef>
+                <a:spcPts val="2400"/>
+              </a:spcBef>
+            </a:pPr>
+            <a:r>
+              <a:rPr lang="ko-KR" altLang="en-US" sz="2400" dirty="0"/>
+              <a:t>센서 데이터 수집</a:t>
+            </a:r>
+            <a:endParaRPr lang="en-US" altLang="ko-KR" sz="2400" dirty="0"/>
+          </a:p>
+          <a:p>
+            <a:pPr>
+              <a:spcBef>
+                <a:spcPts val="2400"/>
+              </a:spcBef>
+            </a:pPr>
+            <a:r>
+              <a:rPr lang="ko-KR" altLang="en-US" sz="2400" dirty="0"/>
+              <a:t>센서 데이터 분석</a:t>
+            </a:r>
+            <a:endParaRPr lang="en-US" altLang="ko-KR" sz="2400" dirty="0"/>
+          </a:p>
+          <a:p>
+            <a:pPr>
+              <a:spcBef>
+                <a:spcPts val="2400"/>
+              </a:spcBef>
+            </a:pPr>
+            <a:r>
+              <a:rPr lang="en-US" altLang="ko-KR" sz="2400" dirty="0"/>
+              <a:t>CNN</a:t>
+            </a:r>
+            <a:r>
+              <a:rPr lang="ko-KR" altLang="en-US" sz="2400" dirty="0"/>
+              <a:t>기반 모델 구현으로 예측 모델의 정확도 높이기</a:t>
+            </a:r>
+            <a:endParaRPr lang="en-US" altLang="ko-KR" sz="2400" dirty="0"/>
+          </a:p>
+          <a:p>
+            <a:pPr>
+              <a:spcBef>
+                <a:spcPts val="2400"/>
+              </a:spcBef>
+            </a:pPr>
+            <a:r>
+              <a:rPr lang="ko-KR" altLang="en-US" sz="2400" dirty="0"/>
+              <a:t>가속</a:t>
+            </a:r>
+            <a:r>
+              <a:rPr lang="en-US" altLang="ko-KR" sz="2400" dirty="0"/>
+              <a:t>, </a:t>
+            </a:r>
+            <a:r>
+              <a:rPr lang="ko-KR" altLang="en-US" sz="2400" dirty="0"/>
+              <a:t>감속</a:t>
+            </a:r>
+            <a:r>
+              <a:rPr lang="en-US" altLang="ko-KR" sz="2400" dirty="0"/>
+              <a:t>, </a:t>
+            </a:r>
+            <a:r>
+              <a:rPr lang="ko-KR" altLang="en-US" sz="2400" dirty="0"/>
+              <a:t>급 가속</a:t>
+            </a:r>
+            <a:r>
+              <a:rPr lang="en-US" altLang="ko-KR" sz="2400" dirty="0"/>
+              <a:t>, </a:t>
+            </a:r>
+            <a:r>
+              <a:rPr lang="ko-KR" altLang="en-US" sz="2400" dirty="0"/>
+              <a:t>급 정지</a:t>
+            </a:r>
+            <a:r>
+              <a:rPr lang="en-US" altLang="ko-KR" sz="2400" dirty="0"/>
+              <a:t>, </a:t>
+            </a:r>
+            <a:r>
+              <a:rPr lang="ko-KR" altLang="en-US" sz="2400" dirty="0"/>
+              <a:t>차선 변경에 대해 모델 구현</a:t>
+            </a:r>
+            <a:endParaRPr lang="en-US" altLang="ko-KR" sz="2400" dirty="0"/>
+          </a:p>
+          <a:p>
+            <a:pPr>
+              <a:spcBef>
+                <a:spcPts val="2400"/>
+              </a:spcBef>
+            </a:pPr>
+            <a:r>
+              <a:rPr lang="ko-KR" altLang="en-US" sz="2400" dirty="0"/>
+              <a:t>실제 차량 </a:t>
+            </a:r>
+            <a:r>
+              <a:rPr lang="en-US" altLang="ko-KR" sz="2400" dirty="0"/>
+              <a:t>OBD</a:t>
+            </a:r>
+            <a:r>
+              <a:rPr lang="ko-KR" altLang="en-US" sz="2400" dirty="0"/>
+              <a:t>데이터 분석</a:t>
+            </a:r>
+            <a:endParaRPr lang="en-US" altLang="ko-KR" sz="2400" dirty="0"/>
+          </a:p>
+          <a:p>
+            <a:pPr>
+              <a:spcBef>
+                <a:spcPts val="2400"/>
+              </a:spcBef>
+            </a:pPr>
+            <a:endParaRPr lang="en-US" altLang="ko-KR" sz="2400" dirty="0"/>
+          </a:p>
+        </p:txBody>
+      </p:sp>
+      <p:sp>
+        <p:nvSpPr>
+          <p:cNvPr id="5" name="슬라이드 번호 개체 틀 4">
+            <a:extLst>
+              <a:ext uri="{FF2B5EF4-FFF2-40B4-BE49-F238E27FC236}">
+                <a16:creationId xmlns:a16="http://schemas.microsoft.com/office/drawing/2014/main" id="{B94218F4-8846-4E3F-853A-5F8555B0F85A}"/>
+              </a:ext>
+            </a:extLst>
+          </p:cNvPr>
+          <p:cNvSpPr>
+            <a:spLocks noGrp="1"/>
+          </p:cNvSpPr>
+          <p:nvPr>
+            <p:ph type="sldNum" sz="quarter" idx="12"/>
+          </p:nvPr>
+        </p:nvSpPr>
+        <p:spPr/>
+        <p:txBody>
+          <a:bodyPr/>
+          <a:lstStyle/>
+          <a:p>
+            <a:fld id="{4FAB73BC-B049-4115-A692-8D63A059BFB8}" type="slidenum">
+              <a:rPr lang="en-US" smtClean="0"/>
+              <a:pPr/>
+              <a:t>11</a:t>
+            </a:fld>
+            <a:endParaRPr lang="en-US" dirty="0"/>
+          </a:p>
+        </p:txBody>
+      </p:sp>
+      <p:sp>
+        <p:nvSpPr>
+          <p:cNvPr id="4" name="날짜 개체 틀 3">
+            <a:extLst>
+              <a:ext uri="{FF2B5EF4-FFF2-40B4-BE49-F238E27FC236}">
+                <a16:creationId xmlns:a16="http://schemas.microsoft.com/office/drawing/2014/main" id="{4BB7EE5D-927A-4CCF-A1D8-4B1D0DBF2832}"/>
+              </a:ext>
+            </a:extLst>
+          </p:cNvPr>
+          <p:cNvSpPr>
+            <a:spLocks noGrp="1"/>
+          </p:cNvSpPr>
+          <p:nvPr>
+            <p:ph type="dt" sz="half" idx="10"/>
+          </p:nvPr>
+        </p:nvSpPr>
+        <p:spPr>
+          <a:xfrm>
+            <a:off x="0" y="6492875"/>
+            <a:ext cx="2743200" cy="365125"/>
+          </a:xfrm>
+        </p:spPr>
+        <p:txBody>
+          <a:bodyPr/>
+          <a:lstStyle/>
+          <a:p>
+            <a:fld id="{835A3A55-8703-4404-B685-585B47BF8635}" type="datetime1">
+              <a:rPr lang="ko-KR" altLang="en-US" smtClean="0"/>
+              <a:t>2020-07-09</a:t>
+            </a:fld>
+            <a:endParaRPr lang="en-US" dirty="0"/>
+          </a:p>
+        </p:txBody>
+      </p:sp>
+      <p:sp>
+        <p:nvSpPr>
+          <p:cNvPr id="6" name="바닥글 개체 틀 3">
+            <a:extLst>
+              <a:ext uri="{FF2B5EF4-FFF2-40B4-BE49-F238E27FC236}">
+                <a16:creationId xmlns:a16="http://schemas.microsoft.com/office/drawing/2014/main" id="{A60952EA-DD37-49FE-B649-1749C242F52B}"/>
+              </a:ext>
+            </a:extLst>
+          </p:cNvPr>
+          <p:cNvSpPr txBox="1">
+            <a:spLocks/>
+          </p:cNvSpPr>
+          <p:nvPr/>
+        </p:nvSpPr>
+        <p:spPr>
+          <a:xfrm>
+            <a:off x="3140241" y="150043"/>
+            <a:ext cx="5911517" cy="365125"/>
+          </a:xfrm>
+          <a:prstGeom prst="rect">
+            <a:avLst/>
+          </a:prstGeom>
+        </p:spPr>
+        <p:txBody>
+          <a:bodyPr vert="horz" lIns="91440" tIns="45720" rIns="91440" bIns="45720" rtlCol="0" anchor="ctr"/>
+          <a:lstStyle>
+            <a:defPPr>
+              <a:defRPr lang="en-US"/>
+            </a:defPPr>
+            <a:lvl1pPr marL="0" algn="l" defTabSz="457200" rtl="0" eaLnBrk="1" latinLnBrk="0" hangingPunct="1">
+              <a:defRPr sz="1100" kern="1200">
+                <a:solidFill>
+                  <a:schemeClr val="tx1">
+                    <a:lumMod val="50000"/>
+                    <a:lumOff val="50000"/>
+                  </a:schemeClr>
+                </a:solidFill>
+                <a:latin typeface="+mn-lt"/>
+                <a:ea typeface="+mn-ea"/>
+                <a:cs typeface="+mn-cs"/>
+              </a:defRPr>
+            </a:lvl1pPr>
+            <a:lvl2pPr marL="457200" algn="l" defTabSz="457200" rtl="0" eaLnBrk="1" latinLnBrk="0" hangingPunct="1">
+              <a:defRPr sz="1800" kern="1200">
+                <a:solidFill>
+                  <a:schemeClr val="tx1"/>
+                </a:solidFill>
+                <a:latin typeface="+mn-lt"/>
+                <a:ea typeface="+mn-ea"/>
+                <a:cs typeface="+mn-cs"/>
+              </a:defRPr>
+            </a:lvl2pPr>
+            <a:lvl3pPr marL="914400" algn="l" defTabSz="457200" rtl="0" eaLnBrk="1" latinLnBrk="0" hangingPunct="1">
+              <a:defRPr sz="1800" kern="1200">
+                <a:solidFill>
+                  <a:schemeClr val="tx1"/>
+                </a:solidFill>
+                <a:latin typeface="+mn-lt"/>
+                <a:ea typeface="+mn-ea"/>
+                <a:cs typeface="+mn-cs"/>
+              </a:defRPr>
+            </a:lvl3pPr>
+            <a:lvl4pPr marL="1371600" algn="l" defTabSz="457200" rtl="0" eaLnBrk="1" latinLnBrk="0" hangingPunct="1">
+              <a:defRPr sz="1800" kern="1200">
+                <a:solidFill>
+                  <a:schemeClr val="tx1"/>
+                </a:solidFill>
+                <a:latin typeface="+mn-lt"/>
+                <a:ea typeface="+mn-ea"/>
+                <a:cs typeface="+mn-cs"/>
+              </a:defRPr>
+            </a:lvl4pPr>
+            <a:lvl5pPr marL="1828800" algn="l" defTabSz="457200" rtl="0" eaLnBrk="1" latinLnBrk="0" hangingPunct="1">
+              <a:defRPr sz="1800" kern="1200">
+                <a:solidFill>
+                  <a:schemeClr val="tx1"/>
+                </a:solidFill>
+                <a:latin typeface="+mn-lt"/>
+                <a:ea typeface="+mn-ea"/>
+                <a:cs typeface="+mn-cs"/>
+              </a:defRPr>
+            </a:lvl5pPr>
+            <a:lvl6pPr marL="2286000" algn="l" defTabSz="457200" rtl="0" eaLnBrk="1" latinLnBrk="0" hangingPunct="1">
+              <a:defRPr sz="1800" kern="1200">
+                <a:solidFill>
+                  <a:schemeClr val="tx1"/>
+                </a:solidFill>
+                <a:latin typeface="+mn-lt"/>
+                <a:ea typeface="+mn-ea"/>
+                <a:cs typeface="+mn-cs"/>
+              </a:defRPr>
+            </a:lvl6pPr>
+            <a:lvl7pPr marL="2743200" algn="l" defTabSz="457200" rtl="0" eaLnBrk="1" latinLnBrk="0" hangingPunct="1">
+              <a:defRPr sz="1800" kern="1200">
+                <a:solidFill>
+                  <a:schemeClr val="tx1"/>
+                </a:solidFill>
+                <a:latin typeface="+mn-lt"/>
+                <a:ea typeface="+mn-ea"/>
+                <a:cs typeface="+mn-cs"/>
+              </a:defRPr>
+            </a:lvl7pPr>
+            <a:lvl8pPr marL="3200400" algn="l" defTabSz="457200" rtl="0" eaLnBrk="1" latinLnBrk="0" hangingPunct="1">
+              <a:defRPr sz="1800" kern="1200">
+                <a:solidFill>
+                  <a:schemeClr val="tx1"/>
+                </a:solidFill>
+                <a:latin typeface="+mn-lt"/>
+                <a:ea typeface="+mn-ea"/>
+                <a:cs typeface="+mn-cs"/>
+              </a:defRPr>
+            </a:lvl8pPr>
+            <a:lvl9pPr marL="3657600" algn="l" defTabSz="457200" rtl="0" eaLnBrk="1" latinLnBrk="0" hangingPunct="1">
+              <a:defRPr sz="1800" kern="1200">
+                <a:solidFill>
+                  <a:schemeClr val="tx1"/>
+                </a:solidFill>
+                <a:latin typeface="+mn-lt"/>
+                <a:ea typeface="+mn-ea"/>
+                <a:cs typeface="+mn-cs"/>
+              </a:defRPr>
+            </a:lvl9pPr>
+          </a:lstStyle>
+          <a:p>
+            <a:pPr algn="ctr"/>
+            <a:r>
+              <a:rPr lang="en-US" altLang="ko-KR" dirty="0"/>
+              <a:t>2020 </a:t>
+            </a:r>
+            <a:r>
+              <a:rPr lang="ko-KR" altLang="en-US" dirty="0"/>
+              <a:t>전기 졸업과제 팀 </a:t>
+            </a:r>
+            <a:r>
+              <a:rPr lang="en-US" altLang="ko-KR" dirty="0"/>
+              <a:t>38(ESLAB 2</a:t>
+            </a:r>
+            <a:r>
+              <a:rPr lang="ko-KR" altLang="en-US" dirty="0"/>
+              <a:t>조</a:t>
+            </a:r>
+            <a:r>
+              <a:rPr lang="en-US" altLang="ko-KR" dirty="0"/>
+              <a:t>)</a:t>
+            </a:r>
+          </a:p>
+          <a:p>
+            <a:pPr algn="ctr"/>
+            <a:r>
+              <a:rPr lang="en-US" altLang="ko-KR" dirty="0"/>
+              <a:t>[</a:t>
+            </a:r>
+            <a:r>
+              <a:rPr lang="ko-KR" altLang="en-US" dirty="0"/>
+              <a:t>여기에 팀 이름 입력</a:t>
+            </a:r>
+            <a:r>
+              <a:rPr lang="en-US" altLang="ko-KR" dirty="0"/>
+              <a:t>]</a:t>
+            </a:r>
+            <a:endParaRPr lang="en-US" dirty="0"/>
+          </a:p>
+        </p:txBody>
+      </p:sp>
+    </p:spTree>
+    <p:extLst>
+      <p:ext uri="{BB962C8B-B14F-4D97-AF65-F5344CB8AC3E}">
+        <p14:creationId xmlns:p14="http://schemas.microsoft.com/office/powerpoint/2010/main" val="2274932026"/>
+      </p:ext>
+    </p:extLst>
+  </p:cSld>
+  <p:clrMapOvr>
+    <a:masterClrMapping/>
+  </p:clrMapOvr>
+</p:sld>
+</file>
+
+<file path=ppt/slides/slide12.xml><?xml version="1.0" encoding="utf-8"?>
+<p:sld xmlns:a="http://schemas.openxmlformats.org/drawingml/2006/main" xmlns:r="http://schemas.openxmlformats.org/officeDocument/2006/relationships" xmlns:p="http://schemas.openxmlformats.org/presentationml/2006/main">
+  <p:cSld>
+    <p:spTree>
+      <p:nvGrpSpPr>
+        <p:cNvPr id="1" name=""/>
+        <p:cNvGrpSpPr/>
+        <p:nvPr/>
+      </p:nvGrpSpPr>
+      <p:grpSpPr>
+        <a:xfrm>
+          <a:off x="0" y="0"/>
+          <a:ext cx="0" cy="0"/>
+          <a:chOff x="0" y="0"/>
+          <a:chExt cx="0" cy="0"/>
+        </a:xfrm>
+      </p:grpSpPr>
       <p:graphicFrame>
         <p:nvGraphicFramePr>
           <p:cNvPr id="4" name="표 4">
@@ -8447,7 +9575,7 @@
             <a:fld id="{4FAB73BC-B049-4115-A692-8D63A059BFB8}" type="slidenum">
               <a:rPr lang="en-US" smtClean="0"/>
               <a:pPr/>
-              <a:t>10</a:t>
+              <a:t>12</a:t>
             </a:fld>
             <a:endParaRPr lang="en-US" dirty="0"/>
           </a:p>
@@ -8688,7 +9816,7 @@
 </p:sld>
 </file>
 
-<file path=ppt/slides/slide11.xml><?xml version="1.0" encoding="utf-8"?>
+<file path=ppt/slides/slide13.xml><?xml version="1.0" encoding="utf-8"?>
 <p:sld xmlns:a="http://schemas.openxmlformats.org/drawingml/2006/main" xmlns:r="http://schemas.openxmlformats.org/officeDocument/2006/relationships" xmlns:p="http://schemas.openxmlformats.org/presentationml/2006/main">
   <p:cSld>
     <p:spTree>
@@ -8891,7 +10019,7 @@
             <a:fld id="{4FAB73BC-B049-4115-A692-8D63A059BFB8}" type="slidenum">
               <a:rPr lang="en-US" smtClean="0"/>
               <a:pPr/>
-              <a:t>11</a:t>
+              <a:t>13</a:t>
             </a:fld>
             <a:endParaRPr lang="en-US" dirty="0"/>
           </a:p>
@@ -12064,106 +13192,10 @@
           <a:lstStyle/>
           <a:p>
             <a:r>
-              <a:rPr lang="ko-KR" altLang="en-US" sz="3200" b="1" dirty="0"/>
-              <a:t>차주 진행 예정사항</a:t>
-            </a:r>
-            <a:endParaRPr lang="ko-KR" altLang="en-US" sz="1600" b="1" dirty="0"/>
-          </a:p>
-        </p:txBody>
-      </p:sp>
-      <p:sp>
-        <p:nvSpPr>
-          <p:cNvPr id="3" name="내용 개체 틀 2">
-            <a:extLst>
-              <a:ext uri="{FF2B5EF4-FFF2-40B4-BE49-F238E27FC236}">
-                <a16:creationId xmlns:a16="http://schemas.microsoft.com/office/drawing/2014/main" id="{543A506F-6AA0-4A47-8944-1349D0144E32}"/>
-              </a:ext>
-            </a:extLst>
-          </p:cNvPr>
-          <p:cNvSpPr>
-            <a:spLocks noGrp="1"/>
-          </p:cNvSpPr>
-          <p:nvPr>
-            <p:ph idx="1"/>
-          </p:nvPr>
-        </p:nvSpPr>
-        <p:spPr/>
-        <p:txBody>
-          <a:bodyPr>
-            <a:normAutofit/>
-          </a:bodyPr>
-          <a:lstStyle/>
-          <a:p>
-            <a:pPr>
-              <a:spcBef>
-                <a:spcPts val="2400"/>
-              </a:spcBef>
-            </a:pPr>
-            <a:r>
-              <a:rPr lang="ko-KR" altLang="en-US" sz="2400" dirty="0"/>
-              <a:t>착수 보고서</a:t>
-            </a:r>
-            <a:r>
-              <a:rPr lang="en-US" altLang="ko-KR" sz="2400" dirty="0"/>
-              <a:t> </a:t>
-            </a:r>
-            <a:r>
-              <a:rPr lang="ko-KR" altLang="en-US" sz="2400" dirty="0"/>
-              <a:t>검수 및 제출</a:t>
-            </a:r>
-            <a:endParaRPr lang="en-US" altLang="ko-KR" sz="2400" dirty="0"/>
-          </a:p>
-          <a:p>
-            <a:pPr>
-              <a:spcBef>
-                <a:spcPts val="2400"/>
-              </a:spcBef>
-            </a:pPr>
-            <a:r>
-              <a:rPr lang="ko-KR" altLang="en-US" sz="2400" dirty="0"/>
-              <a:t>교수님 지시 사항 수행</a:t>
-            </a:r>
-            <a:endParaRPr lang="en-US" altLang="ko-KR" sz="2400" dirty="0"/>
-          </a:p>
-          <a:p>
-            <a:pPr>
-              <a:spcBef>
-                <a:spcPts val="2400"/>
-              </a:spcBef>
-            </a:pPr>
-            <a:r>
-              <a:rPr lang="ko-KR" altLang="en-US" sz="2400" dirty="0"/>
-              <a:t>센서 데이터 수집</a:t>
-            </a:r>
-            <a:endParaRPr lang="en-US" altLang="ko-KR" sz="2400" dirty="0"/>
-          </a:p>
-          <a:p>
-            <a:pPr>
-              <a:spcBef>
-                <a:spcPts val="2400"/>
-              </a:spcBef>
-            </a:pPr>
-            <a:r>
-              <a:rPr lang="ko-KR" altLang="en-US" sz="2400" dirty="0"/>
-              <a:t>센서 데이터 분석</a:t>
-            </a:r>
-            <a:endParaRPr lang="en-US" altLang="ko-KR" sz="2400" dirty="0"/>
-          </a:p>
-          <a:p>
-            <a:pPr>
-              <a:spcBef>
-                <a:spcPts val="2400"/>
-              </a:spcBef>
-            </a:pPr>
-            <a:r>
-              <a:rPr lang="en-US" altLang="ko-KR" sz="2400" dirty="0"/>
-              <a:t>CNN </a:t>
-            </a:r>
-            <a:r>
-              <a:rPr lang="ko-KR" altLang="en-US" sz="2400" dirty="0"/>
-              <a:t>모델을 활용한 데이터 분석모델 구현</a:t>
-            </a:r>
-            <a:endParaRPr lang="en-US" altLang="ko-KR" sz="2400" dirty="0"/>
+              <a:rPr lang="ko-KR" altLang="en-US" sz="3600" b="1" dirty="0"/>
+              <a:t>현재 진행 상황</a:t>
+            </a:r>
+            <a:endParaRPr lang="ko-KR" altLang="en-US" sz="3500" b="1" dirty="0"/>
           </a:p>
         </p:txBody>
       </p:sp>
@@ -12395,10 +13427,225 @@
           </a:p>
         </p:txBody>
       </p:sp>
+      <p:sp>
+        <p:nvSpPr>
+          <p:cNvPr id="7" name="TextBox 6">
+            <a:extLst>
+              <a:ext uri="{FF2B5EF4-FFF2-40B4-BE49-F238E27FC236}">
+                <a16:creationId xmlns:a16="http://schemas.microsoft.com/office/drawing/2014/main" id="{363584E5-9A0C-434C-BB6F-A44FDBA3DBBC}"/>
+              </a:ext>
+            </a:extLst>
+          </p:cNvPr>
+          <p:cNvSpPr txBox="1"/>
+          <p:nvPr/>
+        </p:nvSpPr>
+        <p:spPr>
+          <a:xfrm>
+            <a:off x="1118223" y="729025"/>
+            <a:ext cx="5558076" cy="553998"/>
+          </a:xfrm>
+          <a:prstGeom prst="rect">
+            <a:avLst/>
+          </a:prstGeom>
+          <a:noFill/>
+        </p:spPr>
+        <p:txBody>
+          <a:bodyPr wrap="square" rtlCol="0">
+            <a:spAutoFit/>
+          </a:bodyPr>
+          <a:lstStyle/>
+          <a:p>
+            <a:r>
+              <a:rPr lang="ko-KR" altLang="en-US" sz="3000" dirty="0"/>
+              <a:t>데이터 모델 학습 및 예측 결과</a:t>
+            </a:r>
+          </a:p>
+        </p:txBody>
+      </p:sp>
+      <p:pic>
+        <p:nvPicPr>
+          <p:cNvPr id="10" name="그림 9" descr="스크린샷이(가) 표시된 사진&#10;&#10;자동 생성된 설명">
+            <a:extLst>
+              <a:ext uri="{FF2B5EF4-FFF2-40B4-BE49-F238E27FC236}">
+                <a16:creationId xmlns:a16="http://schemas.microsoft.com/office/drawing/2014/main" id="{22B46993-0FD3-4441-B24C-7DBCA401A4D4}"/>
+              </a:ext>
+            </a:extLst>
+          </p:cNvPr>
+          <p:cNvPicPr>
+            <a:picLocks noChangeAspect="1"/>
+          </p:cNvPicPr>
+          <p:nvPr/>
+        </p:nvPicPr>
+        <p:blipFill>
+          <a:blip r:embed="rId3"/>
+          <a:stretch>
+            <a:fillRect/>
+          </a:stretch>
+        </p:blipFill>
+        <p:spPr>
+          <a:xfrm>
+            <a:off x="1118224" y="1949999"/>
+            <a:ext cx="4518784" cy="1907810"/>
+          </a:xfrm>
+          <a:prstGeom prst="rect">
+            <a:avLst/>
+          </a:prstGeom>
+        </p:spPr>
+      </p:pic>
+      <p:pic>
+        <p:nvPicPr>
+          <p:cNvPr id="12" name="그림 11" descr="스크린샷이(가) 표시된 사진&#10;&#10;자동 생성된 설명">
+            <a:extLst>
+              <a:ext uri="{FF2B5EF4-FFF2-40B4-BE49-F238E27FC236}">
+                <a16:creationId xmlns:a16="http://schemas.microsoft.com/office/drawing/2014/main" id="{A0D6159D-E3C6-4628-9A1B-22531CB52803}"/>
+              </a:ext>
+            </a:extLst>
+          </p:cNvPr>
+          <p:cNvPicPr>
+            <a:picLocks noChangeAspect="1"/>
+          </p:cNvPicPr>
+          <p:nvPr/>
+        </p:nvPicPr>
+        <p:blipFill>
+          <a:blip r:embed="rId4"/>
+          <a:stretch>
+            <a:fillRect/>
+          </a:stretch>
+        </p:blipFill>
+        <p:spPr>
+          <a:xfrm>
+            <a:off x="7084617" y="1949998"/>
+            <a:ext cx="4314981" cy="3692368"/>
+          </a:xfrm>
+          <a:prstGeom prst="rect">
+            <a:avLst/>
+          </a:prstGeom>
+        </p:spPr>
+      </p:pic>
+      <p:pic>
+        <p:nvPicPr>
+          <p:cNvPr id="14" name="그림 13" descr="텍스트, 지도이(가) 표시된 사진&#10;&#10;자동 생성된 설명">
+            <a:extLst>
+              <a:ext uri="{FF2B5EF4-FFF2-40B4-BE49-F238E27FC236}">
+                <a16:creationId xmlns:a16="http://schemas.microsoft.com/office/drawing/2014/main" id="{DC36F01F-C04F-4ABA-8621-BE7622BE92AF}"/>
+              </a:ext>
+            </a:extLst>
+          </p:cNvPr>
+          <p:cNvPicPr>
+            <a:picLocks noChangeAspect="1"/>
+          </p:cNvPicPr>
+          <p:nvPr/>
+        </p:nvPicPr>
+        <p:blipFill>
+          <a:blip r:embed="rId5"/>
+          <a:stretch>
+            <a:fillRect/>
+          </a:stretch>
+        </p:blipFill>
+        <p:spPr>
+          <a:xfrm>
+            <a:off x="1118223" y="3967807"/>
+            <a:ext cx="5470783" cy="2568464"/>
+          </a:xfrm>
+          <a:prstGeom prst="rect">
+            <a:avLst/>
+          </a:prstGeom>
+        </p:spPr>
+      </p:pic>
+      <p:cxnSp>
+        <p:nvCxnSpPr>
+          <p:cNvPr id="16" name="직선 화살표 연결선 15">
+            <a:extLst>
+              <a:ext uri="{FF2B5EF4-FFF2-40B4-BE49-F238E27FC236}">
+                <a16:creationId xmlns:a16="http://schemas.microsoft.com/office/drawing/2014/main" id="{2938ABF6-CACA-46BD-A4B8-6C7A22BDD6A2}"/>
+              </a:ext>
+            </a:extLst>
+          </p:cNvPr>
+          <p:cNvCxnSpPr/>
+          <p:nvPr/>
+        </p:nvCxnSpPr>
+        <p:spPr>
+          <a:xfrm>
+            <a:off x="5819887" y="3796182"/>
+            <a:ext cx="1075765" cy="0"/>
+          </a:xfrm>
+          <a:prstGeom prst="straightConnector1">
+            <a:avLst/>
+          </a:prstGeom>
+          <a:ln w="57150">
+            <a:tailEnd type="triangle"/>
+          </a:ln>
+        </p:spPr>
+        <p:style>
+          <a:lnRef idx="1">
+            <a:schemeClr val="accent1"/>
+          </a:lnRef>
+          <a:fillRef idx="0">
+            <a:schemeClr val="accent1"/>
+          </a:fillRef>
+          <a:effectRef idx="0">
+            <a:schemeClr val="accent1"/>
+          </a:effectRef>
+          <a:fontRef idx="minor">
+            <a:schemeClr val="tx1"/>
+          </a:fontRef>
+        </p:style>
+      </p:cxnSp>
+      <p:sp>
+        <p:nvSpPr>
+          <p:cNvPr id="17" name="TextBox 16">
+            <a:extLst>
+              <a:ext uri="{FF2B5EF4-FFF2-40B4-BE49-F238E27FC236}">
+                <a16:creationId xmlns:a16="http://schemas.microsoft.com/office/drawing/2014/main" id="{05749C5B-C76B-402F-83DE-C331C90BCACD}"/>
+              </a:ext>
+            </a:extLst>
+          </p:cNvPr>
+          <p:cNvSpPr txBox="1"/>
+          <p:nvPr/>
+        </p:nvSpPr>
+        <p:spPr>
+          <a:xfrm>
+            <a:off x="1118223" y="1454647"/>
+            <a:ext cx="3709670" cy="369332"/>
+          </a:xfrm>
+          <a:prstGeom prst="rect">
+            <a:avLst/>
+          </a:prstGeom>
+          <a:noFill/>
+        </p:spPr>
+        <p:txBody>
+          <a:bodyPr wrap="none" rtlCol="0">
+            <a:spAutoFit/>
+          </a:bodyPr>
+          <a:lstStyle/>
+          <a:p>
+            <a:r>
+              <a:rPr lang="ko-KR" altLang="en-US" dirty="0"/>
+              <a:t>직진</a:t>
+            </a:r>
+            <a:r>
+              <a:rPr lang="en-US" altLang="ko-KR" dirty="0"/>
+              <a:t>-</a:t>
+            </a:r>
+            <a:r>
+              <a:rPr lang="ko-KR" altLang="en-US" dirty="0"/>
+              <a:t>좌회전</a:t>
+            </a:r>
+            <a:r>
+              <a:rPr lang="en-US" altLang="ko-KR" dirty="0"/>
+              <a:t>-</a:t>
+            </a:r>
+            <a:r>
+              <a:rPr lang="ko-KR" altLang="en-US" dirty="0"/>
+              <a:t>우회전 예측 모델 진행</a:t>
+            </a:r>
+          </a:p>
+        </p:txBody>
+      </p:sp>
     </p:spTree>
     <p:extLst>
       <p:ext uri="{BB962C8B-B14F-4D97-AF65-F5344CB8AC3E}">
-        <p14:creationId xmlns:p14="http://schemas.microsoft.com/office/powerpoint/2010/main" val="2274932026"/>
+        <p14:creationId xmlns:p14="http://schemas.microsoft.com/office/powerpoint/2010/main" val="1867986866"/>
       </p:ext>
     </p:extLst>
   </p:cSld>
@@ -13105,18 +14352,18 @@
 </file>
 
 <file path=customXml/item2.xml><?xml version="1.0" encoding="utf-8"?>
-<p:properties xmlns:p="http://schemas.microsoft.com/office/2006/metadata/properties" xmlns:xsi="http://www.w3.org/2001/XMLSchema-instance" xmlns:pc="http://schemas.microsoft.com/office/infopath/2007/PartnerControls">
-  <documentManagement/>
-</p:properties>
-</file>
-
-<file path=customXml/item3.xml><?xml version="1.0" encoding="utf-8"?>
 <?mso-contentType ?>
 <FormTemplates xmlns="http://schemas.microsoft.com/sharepoint/v3/contenttype/forms">
   <Display>DocumentLibraryForm</Display>
   <Edit>DocumentLibraryForm</Edit>
   <New>DocumentLibraryForm</New>
 </FormTemplates>
+</file>
+
+<file path=customXml/item3.xml><?xml version="1.0" encoding="utf-8"?>
+<p:properties xmlns:p="http://schemas.microsoft.com/office/2006/metadata/properties" xmlns:xsi="http://www.w3.org/2001/XMLSchema-instance" xmlns:pc="http://schemas.microsoft.com/office/infopath/2007/PartnerControls">
+  <documentManagement/>
+</p:properties>
 </file>
 
 <file path=customXml/itemProps1.xml><?xml version="1.0" encoding="utf-8"?>
@@ -13138,6 +14385,14 @@
 </file>
 
 <file path=customXml/itemProps2.xml><?xml version="1.0" encoding="utf-8"?>
+<ds:datastoreItem xmlns:ds="http://schemas.openxmlformats.org/officeDocument/2006/customXml" ds:itemID="{D5BAE4EC-A401-4A94-B3A5-9FF5C310C1D2}">
+  <ds:schemaRefs>
+    <ds:schemaRef ds:uri="http://schemas.microsoft.com/sharepoint/v3/contenttype/forms"/>
+  </ds:schemaRefs>
+</ds:datastoreItem>
+</file>
+
+<file path=customXml/itemProps3.xml><?xml version="1.0" encoding="utf-8"?>
 <ds:datastoreItem xmlns:ds="http://schemas.openxmlformats.org/officeDocument/2006/customXml" ds:itemID="{9063696C-3651-4B20-95C9-9D01E44F83E0}">
   <ds:schemaRefs>
     <ds:schemaRef ds:uri="http://purl.org/dc/dcmitype/"/>
@@ -13151,12 +14406,4 @@
     <ds:schemaRef ds:uri="http://schemas.microsoft.com/office/2006/metadata/properties"/>
   </ds:schemaRefs>
 </ds:datastoreItem>
-</file>
-
-<file path=customXml/itemProps3.xml><?xml version="1.0" encoding="utf-8"?>
-<ds:datastoreItem xmlns:ds="http://schemas.openxmlformats.org/officeDocument/2006/customXml" ds:itemID="{D5BAE4EC-A401-4A94-B3A5-9FF5C310C1D2}">
-  <ds:schemaRefs>
-    <ds:schemaRef ds:uri="http://schemas.microsoft.com/sharepoint/v3/contenttype/forms"/>
-  </ds:schemaRefs>
-</ds:datastoreItem>
 </file>